--- a/Python/Kivy-Notes.pptx
+++ b/Python/Kivy-Notes.pptx
@@ -3740,10 +3740,15 @@
             </p:custDataLst>
           </p:nvPr>
         </p:nvSpPr>
-        <p:spPr/>
+        <p:spPr>
+          <a:xfrm>
+            <a:off x="1524000" y="5400935"/>
+            <a:ext cx="9144000" cy="376237"/>
+          </a:xfrm>
+        </p:spPr>
         <p:txBody>
           <a:bodyPr>
-            <a:normAutofit/>
+            <a:noAutofit/>
           </a:bodyPr>
           <a:p>
             <a:pPr marL="0" indent="0" algn="ctr">
@@ -3759,10 +3764,29 @@
               <a:buSzPct val="100000"/>
             </a:pPr>
             <a:r>
-              <a:rPr lang="en-US" altLang="zh-CN" sz="1700" smtClean="0"/>
+              <a:rPr lang="en-US" altLang="zh-CN" sz="1400" smtClean="0"/>
+              <a:t>Sparks Lu</a:t>
+            </a:r>
+            <a:endParaRPr lang="en-US" altLang="zh-CN" sz="1400" smtClean="0"/>
+          </a:p>
+          <a:p>
+            <a:pPr marL="0" indent="0" algn="ctr">
+              <a:lnSpc>
+                <a:spcPct val="90000"/>
+              </a:lnSpc>
+              <a:spcBef>
+                <a:spcPts val="1000"/>
+              </a:spcBef>
+              <a:spcAft>
+                <a:spcPts val="0"/>
+              </a:spcAft>
+              <a:buSzPct val="100000"/>
+            </a:pPr>
+            <a:r>
+              <a:rPr lang="en-US" altLang="zh-CN" sz="1400" smtClean="0"/>
               <a:t>Last updated: 9/12/2019</a:t>
             </a:r>
-            <a:endParaRPr lang="en-US" altLang="zh-CN" sz="1700" smtClean="0"/>
+            <a:endParaRPr lang="en-US" altLang="zh-CN" sz="1400" smtClean="0"/>
           </a:p>
         </p:txBody>
       </p:sp>
